--- a/Javascript/Class 01/JS class 01 Intro.pptx
+++ b/Javascript/Class 01/JS class 01 Intro.pptx
@@ -5,7 +5,7 @@
     <p:sldMasterId id="2147483877" r:id="rId4"/>
   </p:sldMasterIdLst>
   <p:notesMasterIdLst>
-    <p:notesMasterId r:id="rId25"/>
+    <p:notesMasterId r:id="rId26"/>
   </p:notesMasterIdLst>
   <p:sldIdLst>
     <p:sldId id="275" r:id="rId5"/>
@@ -28,6 +28,7 @@
     <p:sldId id="292" r:id="rId22"/>
     <p:sldId id="293" r:id="rId23"/>
     <p:sldId id="294" r:id="rId24"/>
+    <p:sldId id="295" r:id="rId25"/>
   </p:sldIdLst>
   <p:sldSz cx="12192000" cy="6858000"/>
   <p:notesSz cx="9144000" cy="6858000"/>
@@ -216,7 +217,7 @@
           <a:p>
             <a:fld id="{EDE0A0D5-8F98-4CC1-A28E-021F0B6B475C}" type="datetimeFigureOut">
               <a:rPr lang="en-US" smtClean="0"/>
-              <a:t>1/30/2023</a:t>
+              <a:t>2/5/2023</a:t>
             </a:fld>
             <a:endParaRPr lang="en-US" dirty="0"/>
           </a:p>
@@ -671,7 +672,7 @@
           <a:p>
             <a:fld id="{3A750590-9F9A-443B-9295-A3931D8194B1}" type="datetime1">
               <a:rPr lang="en-US" smtClean="0"/>
-              <a:t>1/30/2023</a:t>
+              <a:t>2/5/2023</a:t>
             </a:fld>
             <a:endParaRPr lang="en-US" dirty="0"/>
           </a:p>
@@ -1009,7 +1010,7 @@
           <a:p>
             <a:fld id="{D9359126-4846-4E88-BDD9-5585CC877E47}" type="datetime1">
               <a:rPr lang="en-US" smtClean="0"/>
-              <a:t>1/30/2023</a:t>
+              <a:t>2/5/2023</a:t>
             </a:fld>
             <a:endParaRPr lang="en-US" dirty="0"/>
           </a:p>
@@ -1412,7 +1413,7 @@
           <a:p>
             <a:fld id="{D9359126-4846-4E88-BDD9-5585CC877E47}" type="datetime1">
               <a:rPr lang="en-US" smtClean="0"/>
-              <a:t>1/30/2023</a:t>
+              <a:t>2/5/2023</a:t>
             </a:fld>
             <a:endParaRPr lang="en-US" dirty="0"/>
           </a:p>
@@ -1750,7 +1751,7 @@
           <a:p>
             <a:fld id="{D9359126-4846-4E88-BDD9-5585CC877E47}" type="datetime1">
               <a:rPr lang="en-US" smtClean="0"/>
-              <a:t>1/30/2023</a:t>
+              <a:t>2/5/2023</a:t>
             </a:fld>
             <a:endParaRPr lang="en-US" dirty="0"/>
           </a:p>
@@ -2072,7 +2073,7 @@
           <a:p>
             <a:fld id="{D9359126-4846-4E88-BDD9-5585CC877E47}" type="datetime1">
               <a:rPr lang="en-US" smtClean="0"/>
-              <a:t>1/30/2023</a:t>
+              <a:t>2/5/2023</a:t>
             </a:fld>
             <a:endParaRPr lang="en-US" dirty="0"/>
           </a:p>
@@ -2470,7 +2471,7 @@
           <a:p>
             <a:fld id="{D9359126-4846-4E88-BDD9-5585CC877E47}" type="datetime1">
               <a:rPr lang="en-US" smtClean="0"/>
-              <a:t>1/30/2023</a:t>
+              <a:t>2/5/2023</a:t>
             </a:fld>
             <a:endParaRPr lang="en-US" dirty="0"/>
           </a:p>
@@ -2729,7 +2730,7 @@
           <a:p>
             <a:fld id="{1F96F347-1B2F-4097-AEB5-4A26FB45D67A}" type="datetime1">
               <a:rPr lang="en-US" smtClean="0"/>
-              <a:t>1/30/2023</a:t>
+              <a:t>2/5/2023</a:t>
             </a:fld>
             <a:endParaRPr lang="en-US" dirty="0"/>
           </a:p>
@@ -2991,7 +2992,7 @@
           <a:p>
             <a:fld id="{8CC1DEE0-34E5-4E0F-BEC1-4B8835F82CD1}" type="datetime1">
               <a:rPr lang="en-US" smtClean="0"/>
-              <a:t>1/30/2023</a:t>
+              <a:t>2/5/2023</a:t>
             </a:fld>
             <a:endParaRPr lang="en-US" dirty="0"/>
           </a:p>
@@ -3253,7 +3254,7 @@
           <a:p>
             <a:fld id="{3B75B4BE-627A-4EC1-99E1-6F1AA97AB802}" type="datetime1">
               <a:rPr lang="en-US" smtClean="0"/>
-              <a:t>1/30/2023</a:t>
+              <a:t>2/5/2023</a:t>
             </a:fld>
             <a:endParaRPr lang="en-US" dirty="0"/>
           </a:p>
@@ -3582,7 +3583,7 @@
           <a:p>
             <a:fld id="{78BFACF8-E63D-4673-A128-83547867BB7A}" type="datetime1">
               <a:rPr lang="en-US" smtClean="0"/>
-              <a:t>1/30/2023</a:t>
+              <a:t>2/5/2023</a:t>
             </a:fld>
             <a:endParaRPr lang="en-US" dirty="0"/>
           </a:p>
@@ -3905,7 +3906,7 @@
           <a:p>
             <a:fld id="{15BED6AC-4FBA-40BD-BE75-20DB64DA4BAD}" type="datetime1">
               <a:rPr lang="en-US" smtClean="0"/>
-              <a:t>1/30/2023</a:t>
+              <a:t>2/5/2023</a:t>
             </a:fld>
             <a:endParaRPr lang="en-US" dirty="0"/>
           </a:p>
@@ -4362,7 +4363,7 @@
           <a:p>
             <a:fld id="{3F933C87-D201-458A-93C0-8EDD9AC92D93}" type="datetime1">
               <a:rPr lang="en-US" smtClean="0"/>
-              <a:t>1/30/2023</a:t>
+              <a:t>2/5/2023</a:t>
             </a:fld>
             <a:endParaRPr lang="en-US" dirty="0"/>
           </a:p>
@@ -4567,7 +4568,7 @@
           <a:p>
             <a:fld id="{76CE6829-5A25-485A-91B1-5D6D58BB9F23}" type="datetime1">
               <a:rPr lang="en-US" smtClean="0"/>
-              <a:t>1/30/2023</a:t>
+              <a:t>2/5/2023</a:t>
             </a:fld>
             <a:endParaRPr lang="en-US" dirty="0"/>
           </a:p>
@@ -4744,7 +4745,7 @@
           <a:p>
             <a:fld id="{9912F5CD-23D0-4DD1-85B1-71F1825FB3EC}" type="datetime1">
               <a:rPr lang="en-US" smtClean="0"/>
-              <a:t>1/30/2023</a:t>
+              <a:t>2/5/2023</a:t>
             </a:fld>
             <a:endParaRPr lang="en-US" dirty="0"/>
           </a:p>
@@ -5077,7 +5078,7 @@
           <a:p>
             <a:fld id="{38BA5035-C284-496A-B076-BA73A8FA5D8B}" type="datetime1">
               <a:rPr lang="en-US" smtClean="0"/>
-              <a:t>1/30/2023</a:t>
+              <a:t>2/5/2023</a:t>
             </a:fld>
             <a:endParaRPr lang="en-US" dirty="0"/>
           </a:p>
@@ -5422,7 +5423,7 @@
           <a:p>
             <a:fld id="{B40EB420-1875-490A-8C4B-7AAB939FBE08}" type="datetime1">
               <a:rPr lang="en-US" smtClean="0"/>
-              <a:t>1/30/2023</a:t>
+              <a:t>2/5/2023</a:t>
             </a:fld>
             <a:endParaRPr lang="en-US" dirty="0"/>
           </a:p>
@@ -7539,7 +7540,7 @@
           <a:p>
             <a:fld id="{D9359126-4846-4E88-BDD9-5585CC877E47}" type="datetime1">
               <a:rPr lang="en-US" smtClean="0"/>
-              <a:t>1/30/2023</a:t>
+              <a:t>2/5/2023</a:t>
             </a:fld>
             <a:endParaRPr lang="en-US" dirty="0"/>
           </a:p>
@@ -11717,7 +11718,6 @@
               <a:rPr lang="en-US" dirty="0"/>
               <a:t> , JavaScript is the most popular coding language.</a:t>
             </a:r>
-            <a:endParaRPr lang="en-US" dirty="0"/>
           </a:p>
         </p:txBody>
       </p:sp>
@@ -11771,6 +11771,140 @@
       </p:par>
     </p:tnLst>
   </p:timing>
+</p:sld>
+</file>
+
+<file path=ppt/slides/slide21.xml><?xml version="1.0" encoding="utf-8"?>
+<p:sld xmlns:a="http://schemas.openxmlformats.org/drawingml/2006/main" xmlns:r="http://schemas.openxmlformats.org/officeDocument/2006/relationships" xmlns:p="http://schemas.openxmlformats.org/presentationml/2006/main">
+  <p:cSld>
+    <p:spTree>
+      <p:nvGrpSpPr>
+        <p:cNvPr id="1" name=""/>
+        <p:cNvGrpSpPr/>
+        <p:nvPr/>
+      </p:nvGrpSpPr>
+      <p:grpSpPr>
+        <a:xfrm>
+          <a:off x="0" y="0"/>
+          <a:ext cx="0" cy="0"/>
+          <a:chOff x="0" y="0"/>
+          <a:chExt cx="0" cy="0"/>
+        </a:xfrm>
+      </p:grpSpPr>
+      <p:sp>
+        <p:nvSpPr>
+          <p:cNvPr id="2" name="Title 1"/>
+          <p:cNvSpPr>
+            <a:spLocks noGrp="1"/>
+          </p:cNvSpPr>
+          <p:nvPr>
+            <p:ph type="title"/>
+          </p:nvPr>
+        </p:nvSpPr>
+        <p:spPr>
+          <a:xfrm>
+            <a:off x="2285194" y="2133600"/>
+            <a:ext cx="8911687" cy="1280890"/>
+          </a:xfrm>
+        </p:spPr>
+        <p:txBody>
+          <a:bodyPr/>
+          <a:lstStyle/>
+          <a:p>
+            <a:pPr algn="ctr"/>
+            <a:r>
+              <a:rPr lang="en-US" dirty="0" smtClean="0"/>
+              <a:t>Thanks!</a:t>
+            </a:r>
+            <a:endParaRPr lang="en-US" dirty="0"/>
+          </a:p>
+        </p:txBody>
+      </p:sp>
+      <p:sp>
+        <p:nvSpPr>
+          <p:cNvPr id="3" name="Content Placeholder 2"/>
+          <p:cNvSpPr>
+            <a:spLocks noGrp="1"/>
+          </p:cNvSpPr>
+          <p:nvPr>
+            <p:ph idx="1"/>
+          </p:nvPr>
+        </p:nvSpPr>
+        <p:spPr>
+          <a:xfrm>
+            <a:off x="2285194" y="3080378"/>
+            <a:ext cx="8915400" cy="3777622"/>
+          </a:xfrm>
+        </p:spPr>
+        <p:txBody>
+          <a:bodyPr/>
+          <a:lstStyle/>
+          <a:p>
+            <a:pPr marL="0" indent="0" algn="ctr">
+              <a:buNone/>
+            </a:pPr>
+            <a:r>
+              <a:rPr lang="en-US" dirty="0"/>
+              <a:t>Do you have any questions?</a:t>
+            </a:r>
+            <a:endParaRPr lang="en-US" dirty="0"/>
+          </a:p>
+          <a:p>
+            <a:pPr marL="0" indent="0" algn="ctr">
+              <a:buNone/>
+            </a:pPr>
+            <a:r>
+              <a:rPr lang="en-US" dirty="0" smtClean="0"/>
+              <a:t>umairazmat8115@gmail.com</a:t>
+            </a:r>
+            <a:endParaRPr lang="en-US" dirty="0"/>
+          </a:p>
+          <a:p>
+            <a:pPr marL="0" indent="0" algn="ctr">
+              <a:buNone/>
+            </a:pPr>
+            <a:endParaRPr lang="en-US" dirty="0" smtClean="0"/>
+          </a:p>
+          <a:p>
+            <a:pPr marL="0" indent="0" algn="ctr">
+              <a:buNone/>
+            </a:pPr>
+            <a:r>
+              <a:rPr lang="en-US" dirty="0" smtClean="0"/>
+              <a:t>+923217061116</a:t>
+            </a:r>
+            <a:r>
+              <a:rPr lang="en-US" dirty="0"/>
+              <a:t/>
+            </a:r>
+            <a:br>
+              <a:rPr lang="en-US" dirty="0"/>
+            </a:br>
+            <a:r>
+              <a:rPr lang="en-US" dirty="0" smtClean="0"/>
+              <a:t>umairazmat.me</a:t>
+            </a:r>
+            <a:r>
+              <a:rPr lang="en-US" dirty="0"/>
+              <a:t/>
+            </a:r>
+            <a:br>
+              <a:rPr lang="en-US" dirty="0"/>
+            </a:br>
+            <a:endParaRPr lang="en-US" dirty="0"/>
+          </a:p>
+        </p:txBody>
+      </p:sp>
+    </p:spTree>
+    <p:extLst>
+      <p:ext uri="{BB962C8B-B14F-4D97-AF65-F5344CB8AC3E}">
+        <p14:creationId xmlns:p14="http://schemas.microsoft.com/office/powerpoint/2010/main" val="540490604"/>
+      </p:ext>
+    </p:extLst>
+  </p:cSld>
+  <p:clrMapOvr>
+    <a:masterClrMapping/>
+  </p:clrMapOvr>
 </p:sld>
 </file>
 
@@ -13689,15 +13823,6 @@
 </file>
 
 <file path=customXml/item1.xml><?xml version="1.0" encoding="utf-8"?>
-<?mso-contentType ?>
-<FormTemplates xmlns="http://schemas.microsoft.com/sharepoint/v3/contenttype/forms">
-  <Display>DocumentLibraryForm</Display>
-  <Edit>DocumentLibraryForm</Edit>
-  <New>DocumentLibraryForm</New>
-</FormTemplates>
-</file>
-
-<file path=customXml/item2.xml><?xml version="1.0" encoding="utf-8"?>
 <ct:contentTypeSchema xmlns:ct="http://schemas.microsoft.com/office/2006/metadata/contentType" xmlns:ma="http://schemas.microsoft.com/office/2006/metadata/properties/metaAttributes" ct:_="" ma:_="" ma:contentTypeName="Document" ma:contentTypeID="0x01010079F111ED35F8CC479449609E8A0923A6" ma:contentTypeVersion="11" ma:contentTypeDescription="Create a new document." ma:contentTypeScope="" ma:versionID="9677210f24a1be23c92c90fd886aa0aa">
   <xsd:schema xmlns:xsd="http://www.w3.org/2001/XMLSchema" xmlns:xs="http://www.w3.org/2001/XMLSchema" xmlns:p="http://schemas.microsoft.com/office/2006/metadata/properties" xmlns:ns2="71af3243-3dd4-4a8d-8c0d-dd76da1f02a5" xmlns:ns3="16c05727-aa75-4e4a-9b5f-8a80a1165891" targetNamespace="http://schemas.microsoft.com/office/2006/metadata/properties" ma:root="true" ma:fieldsID="60e05723c5c1908df1a1a4ebf11d344e" ns2:_="" ns3:_="">
     <xsd:import namespace="71af3243-3dd4-4a8d-8c0d-dd76da1f02a5"/>
@@ -13908,6 +14033,15 @@
 </ct:contentTypeSchema>
 </file>
 
+<file path=customXml/item2.xml><?xml version="1.0" encoding="utf-8"?>
+<?mso-contentType ?>
+<FormTemplates xmlns="http://schemas.microsoft.com/sharepoint/v3/contenttype/forms">
+  <Display>DocumentLibraryForm</Display>
+  <Edit>DocumentLibraryForm</Edit>
+  <New>DocumentLibraryForm</New>
+</FormTemplates>
+</file>
+
 <file path=customXml/item3.xml><?xml version="1.0" encoding="utf-8"?>
 <p:properties xmlns:p="http://schemas.microsoft.com/office/2006/metadata/properties" xmlns:xsi="http://www.w3.org/2001/XMLSchema-instance" xmlns:pc="http://schemas.microsoft.com/office/infopath/2007/PartnerControls">
   <documentManagement>
@@ -13917,14 +14051,6 @@
 </file>
 
 <file path=customXml/itemProps1.xml><?xml version="1.0" encoding="utf-8"?>
-<ds:datastoreItem xmlns:ds="http://schemas.openxmlformats.org/officeDocument/2006/customXml" ds:itemID="{10BEB954-4024-4CCF-A9D6-4C00FDC028D9}">
-  <ds:schemaRefs>
-    <ds:schemaRef ds:uri="http://schemas.microsoft.com/sharepoint/v3/contenttype/forms"/>
-  </ds:schemaRefs>
-</ds:datastoreItem>
-</file>
-
-<file path=customXml/itemProps2.xml><?xml version="1.0" encoding="utf-8"?>
 <ds:datastoreItem xmlns:ds="http://schemas.openxmlformats.org/officeDocument/2006/customXml" ds:itemID="{AB96CC85-5758-41C0-8EFD-737AFB69121D}">
   <ds:schemaRefs>
     <ds:schemaRef ds:uri="http://schemas.microsoft.com/office/2006/metadata/contentType"/>
@@ -13939,6 +14065,14 @@
     <ds:schemaRef ds:uri="http://purl.org/dc/elements/1.1/"/>
     <ds:schemaRef ds:uri="http://purl.org/dc/terms/"/>
     <ds:schemaRef ds:uri="http://schemas.microsoft.com/internal/obd"/>
+  </ds:schemaRefs>
+</ds:datastoreItem>
+</file>
+
+<file path=customXml/itemProps2.xml><?xml version="1.0" encoding="utf-8"?>
+<ds:datastoreItem xmlns:ds="http://schemas.openxmlformats.org/officeDocument/2006/customXml" ds:itemID="{10BEB954-4024-4CCF-A9D6-4C00FDC028D9}">
+  <ds:schemaRefs>
+    <ds:schemaRef ds:uri="http://schemas.microsoft.com/sharepoint/v3/contenttype/forms"/>
   </ds:schemaRefs>
 </ds:datastoreItem>
 </file>
